--- a/03_exposé/Exposé presentation.pptx
+++ b/03_exposé/Exposé presentation.pptx
@@ -356,7 +356,7 @@
             <a:fld id="{5586B75A-687E-405C-8A0B-8D00578BA2C3}" type="datetimeFigureOut">
               <a:rPr lang="en-US" dirty="0"/>
               <a:pPr/>
-              <a:t>1/13/2022</a:t>
+              <a:t>1/22/2022</a:t>
             </a:fld>
             <a:endParaRPr lang="en-US" dirty="0"/>
           </a:p>
@@ -523,7 +523,7 @@
             <a:fld id="{5586B75A-687E-405C-8A0B-8D00578BA2C3}" type="datetimeFigureOut">
               <a:rPr lang="en-US" dirty="0"/>
               <a:pPr/>
-              <a:t>1/13/2022</a:t>
+              <a:t>1/22/2022</a:t>
             </a:fld>
             <a:endParaRPr lang="en-US" dirty="0"/>
           </a:p>
@@ -700,7 +700,7 @@
             <a:fld id="{5586B75A-687E-405C-8A0B-8D00578BA2C3}" type="datetimeFigureOut">
               <a:rPr lang="en-US" dirty="0"/>
               <a:pPr/>
-              <a:t>1/13/2022</a:t>
+              <a:t>1/22/2022</a:t>
             </a:fld>
             <a:endParaRPr lang="en-US" dirty="0"/>
           </a:p>
@@ -867,7 +867,7 @@
             <a:fld id="{5586B75A-687E-405C-8A0B-8D00578BA2C3}" type="datetimeFigureOut">
               <a:rPr lang="en-US" dirty="0"/>
               <a:pPr/>
-              <a:t>1/13/2022</a:t>
+              <a:t>1/22/2022</a:t>
             </a:fld>
             <a:endParaRPr lang="en-US" dirty="0"/>
           </a:p>
@@ -1122,7 +1122,7 @@
             <a:fld id="{5586B75A-687E-405C-8A0B-8D00578BA2C3}" type="datetimeFigureOut">
               <a:rPr lang="en-US" dirty="0"/>
               <a:pPr/>
-              <a:t>1/13/2022</a:t>
+              <a:t>1/22/2022</a:t>
             </a:fld>
             <a:endParaRPr lang="en-US" dirty="0"/>
           </a:p>
@@ -1407,7 +1407,7 @@
             <a:fld id="{5586B75A-687E-405C-8A0B-8D00578BA2C3}" type="datetimeFigureOut">
               <a:rPr lang="en-US" dirty="0"/>
               <a:pPr/>
-              <a:t>1/13/2022</a:t>
+              <a:t>1/22/2022</a:t>
             </a:fld>
             <a:endParaRPr lang="en-US" dirty="0"/>
           </a:p>
@@ -1846,7 +1846,7 @@
             <a:fld id="{5586B75A-687E-405C-8A0B-8D00578BA2C3}" type="datetimeFigureOut">
               <a:rPr lang="en-US" dirty="0"/>
               <a:pPr/>
-              <a:t>1/13/2022</a:t>
+              <a:t>1/22/2022</a:t>
             </a:fld>
             <a:endParaRPr lang="en-US" dirty="0"/>
           </a:p>
@@ -1961,7 +1961,7 @@
             <a:fld id="{5586B75A-687E-405C-8A0B-8D00578BA2C3}" type="datetimeFigureOut">
               <a:rPr lang="en-US" dirty="0"/>
               <a:pPr/>
-              <a:t>1/13/2022</a:t>
+              <a:t>1/22/2022</a:t>
             </a:fld>
             <a:endParaRPr lang="en-US" dirty="0"/>
           </a:p>
@@ -2053,7 +2053,7 @@
             <a:fld id="{5586B75A-687E-405C-8A0B-8D00578BA2C3}" type="datetimeFigureOut">
               <a:rPr lang="en-US" dirty="0"/>
               <a:pPr/>
-              <a:t>1/13/2022</a:t>
+              <a:t>1/22/2022</a:t>
             </a:fld>
             <a:endParaRPr lang="en-US" dirty="0"/>
           </a:p>
@@ -2338,7 +2338,7 @@
             <a:fld id="{5586B75A-687E-405C-8A0B-8D00578BA2C3}" type="datetimeFigureOut">
               <a:rPr lang="en-US" dirty="0"/>
               <a:pPr/>
-              <a:t>1/13/2022</a:t>
+              <a:t>1/22/2022</a:t>
             </a:fld>
             <a:endParaRPr lang="en-US" dirty="0"/>
           </a:p>
@@ -2608,7 +2608,7 @@
             <a:fld id="{5586B75A-687E-405C-8A0B-8D00578BA2C3}" type="datetimeFigureOut">
               <a:rPr lang="en-US" dirty="0"/>
               <a:pPr/>
-              <a:t>1/13/2022</a:t>
+              <a:t>1/22/2022</a:t>
             </a:fld>
             <a:endParaRPr lang="en-US" dirty="0"/>
           </a:p>
@@ -2902,7 +2902,7 @@
             <a:fld id="{5586B75A-687E-405C-8A0B-8D00578BA2C3}" type="datetimeFigureOut">
               <a:rPr lang="en-US" dirty="0"/>
               <a:pPr/>
-              <a:t>1/13/2022</a:t>
+              <a:t>1/22/2022</a:t>
             </a:fld>
             <a:endParaRPr lang="en-US" dirty="0"/>
           </a:p>

--- a/03_exposé/Exposé presentation.pptx
+++ b/03_exposé/Exposé presentation.pptx
@@ -356,7 +356,7 @@
             <a:fld id="{5586B75A-687E-405C-8A0B-8D00578BA2C3}" type="datetimeFigureOut">
               <a:rPr lang="en-US" dirty="0"/>
               <a:pPr/>
-              <a:t>1/22/2022</a:t>
+              <a:t>1/23/2022</a:t>
             </a:fld>
             <a:endParaRPr lang="en-US" dirty="0"/>
           </a:p>
@@ -523,7 +523,7 @@
             <a:fld id="{5586B75A-687E-405C-8A0B-8D00578BA2C3}" type="datetimeFigureOut">
               <a:rPr lang="en-US" dirty="0"/>
               <a:pPr/>
-              <a:t>1/22/2022</a:t>
+              <a:t>1/23/2022</a:t>
             </a:fld>
             <a:endParaRPr lang="en-US" dirty="0"/>
           </a:p>
@@ -700,7 +700,7 @@
             <a:fld id="{5586B75A-687E-405C-8A0B-8D00578BA2C3}" type="datetimeFigureOut">
               <a:rPr lang="en-US" dirty="0"/>
               <a:pPr/>
-              <a:t>1/22/2022</a:t>
+              <a:t>1/23/2022</a:t>
             </a:fld>
             <a:endParaRPr lang="en-US" dirty="0"/>
           </a:p>
@@ -867,7 +867,7 @@
             <a:fld id="{5586B75A-687E-405C-8A0B-8D00578BA2C3}" type="datetimeFigureOut">
               <a:rPr lang="en-US" dirty="0"/>
               <a:pPr/>
-              <a:t>1/22/2022</a:t>
+              <a:t>1/23/2022</a:t>
             </a:fld>
             <a:endParaRPr lang="en-US" dirty="0"/>
           </a:p>
@@ -1122,7 +1122,7 @@
             <a:fld id="{5586B75A-687E-405C-8A0B-8D00578BA2C3}" type="datetimeFigureOut">
               <a:rPr lang="en-US" dirty="0"/>
               <a:pPr/>
-              <a:t>1/22/2022</a:t>
+              <a:t>1/23/2022</a:t>
             </a:fld>
             <a:endParaRPr lang="en-US" dirty="0"/>
           </a:p>
@@ -1407,7 +1407,7 @@
             <a:fld id="{5586B75A-687E-405C-8A0B-8D00578BA2C3}" type="datetimeFigureOut">
               <a:rPr lang="en-US" dirty="0"/>
               <a:pPr/>
-              <a:t>1/22/2022</a:t>
+              <a:t>1/23/2022</a:t>
             </a:fld>
             <a:endParaRPr lang="en-US" dirty="0"/>
           </a:p>
@@ -1846,7 +1846,7 @@
             <a:fld id="{5586B75A-687E-405C-8A0B-8D00578BA2C3}" type="datetimeFigureOut">
               <a:rPr lang="en-US" dirty="0"/>
               <a:pPr/>
-              <a:t>1/22/2022</a:t>
+              <a:t>1/23/2022</a:t>
             </a:fld>
             <a:endParaRPr lang="en-US" dirty="0"/>
           </a:p>
@@ -1961,7 +1961,7 @@
             <a:fld id="{5586B75A-687E-405C-8A0B-8D00578BA2C3}" type="datetimeFigureOut">
               <a:rPr lang="en-US" dirty="0"/>
               <a:pPr/>
-              <a:t>1/22/2022</a:t>
+              <a:t>1/23/2022</a:t>
             </a:fld>
             <a:endParaRPr lang="en-US" dirty="0"/>
           </a:p>
@@ -2053,7 +2053,7 @@
             <a:fld id="{5586B75A-687E-405C-8A0B-8D00578BA2C3}" type="datetimeFigureOut">
               <a:rPr lang="en-US" dirty="0"/>
               <a:pPr/>
-              <a:t>1/22/2022</a:t>
+              <a:t>1/23/2022</a:t>
             </a:fld>
             <a:endParaRPr lang="en-US" dirty="0"/>
           </a:p>
@@ -2338,7 +2338,7 @@
             <a:fld id="{5586B75A-687E-405C-8A0B-8D00578BA2C3}" type="datetimeFigureOut">
               <a:rPr lang="en-US" dirty="0"/>
               <a:pPr/>
-              <a:t>1/22/2022</a:t>
+              <a:t>1/23/2022</a:t>
             </a:fld>
             <a:endParaRPr lang="en-US" dirty="0"/>
           </a:p>
@@ -2608,7 +2608,7 @@
             <a:fld id="{5586B75A-687E-405C-8A0B-8D00578BA2C3}" type="datetimeFigureOut">
               <a:rPr lang="en-US" dirty="0"/>
               <a:pPr/>
-              <a:t>1/22/2022</a:t>
+              <a:t>1/23/2022</a:t>
             </a:fld>
             <a:endParaRPr lang="en-US" dirty="0"/>
           </a:p>
@@ -2902,7 +2902,7 @@
             <a:fld id="{5586B75A-687E-405C-8A0B-8D00578BA2C3}" type="datetimeFigureOut">
               <a:rPr lang="en-US" dirty="0"/>
               <a:pPr/>
-              <a:t>1/22/2022</a:t>
+              <a:t>1/23/2022</a:t>
             </a:fld>
             <a:endParaRPr lang="en-US" dirty="0"/>
           </a:p>
@@ -3528,6 +3528,13 @@
   <p:clrMapOvr>
     <a:masterClrMapping/>
   </p:clrMapOvr>
+  <p:timing>
+    <p:tnLst>
+      <p:par>
+        <p:cTn id="1" dur="indefinite" restart="never" nodeType="tmRoot"/>
+      </p:par>
+    </p:tnLst>
+  </p:timing>
 </p:sld>
 </file>
 
@@ -3616,6 +3623,13 @@
   <p:clrMapOvr>
     <a:masterClrMapping/>
   </p:clrMapOvr>
+  <p:timing>
+    <p:tnLst>
+      <p:par>
+        <p:cTn id="1" dur="indefinite" restart="never" nodeType="tmRoot"/>
+      </p:par>
+    </p:tnLst>
+  </p:timing>
 </p:sld>
 </file>
 
@@ -3764,6 +3778,13 @@
   <p:clrMapOvr>
     <a:masterClrMapping/>
   </p:clrMapOvr>
+  <p:timing>
+    <p:tnLst>
+      <p:par>
+        <p:cTn id="1" dur="indefinite" restart="never" nodeType="tmRoot"/>
+      </p:par>
+    </p:tnLst>
+  </p:timing>
 </p:sld>
 </file>
 
@@ -3888,6 +3909,13 @@
   <p:clrMapOvr>
     <a:masterClrMapping/>
   </p:clrMapOvr>
+  <p:timing>
+    <p:tnLst>
+      <p:par>
+        <p:cTn id="1" dur="indefinite" restart="never" nodeType="tmRoot"/>
+      </p:par>
+    </p:tnLst>
+  </p:timing>
 </p:sld>
 </file>
 
@@ -3958,7 +3986,7 @@
         </p:nvSpPr>
         <p:spPr>
           <a:xfrm>
-            <a:off x="8091578" y="2225614"/>
+            <a:off x="6729253" y="2259395"/>
             <a:ext cx="698740" cy="690113"/>
           </a:xfrm>
           <a:prstGeom prst="ellipse">
@@ -4002,7 +4030,7 @@
         </p:nvSpPr>
         <p:spPr>
           <a:xfrm>
-            <a:off x="7177498" y="3079371"/>
+            <a:off x="6729253" y="3079369"/>
             <a:ext cx="698740" cy="690113"/>
           </a:xfrm>
           <a:prstGeom prst="ellipse">
@@ -4046,7 +4074,7 @@
         </p:nvSpPr>
         <p:spPr>
           <a:xfrm>
-            <a:off x="8091578" y="3933127"/>
+            <a:off x="7637038" y="3079369"/>
             <a:ext cx="698740" cy="690113"/>
           </a:xfrm>
           <a:prstGeom prst="ellipse">
@@ -4090,7 +4118,7 @@
         </p:nvSpPr>
         <p:spPr>
           <a:xfrm>
-            <a:off x="6263418" y="2225614"/>
+            <a:off x="6729253" y="3899343"/>
             <a:ext cx="698740" cy="690113"/>
           </a:xfrm>
           <a:prstGeom prst="ellipse">
@@ -4134,7 +4162,7 @@
         </p:nvSpPr>
         <p:spPr>
           <a:xfrm>
-            <a:off x="6263418" y="3933127"/>
+            <a:off x="5821468" y="3079370"/>
             <a:ext cx="698740" cy="690113"/>
           </a:xfrm>
           <a:prstGeom prst="ellipse">
@@ -4218,6 +4246,13 @@
   <p:clrMapOvr>
     <a:masterClrMapping/>
   </p:clrMapOvr>
+  <p:timing>
+    <p:tnLst>
+      <p:par>
+        <p:cTn id="1" dur="indefinite" restart="never" nodeType="tmRoot"/>
+      </p:par>
+    </p:tnLst>
+  </p:timing>
 </p:sld>
 </file>
 
@@ -4357,6 +4392,13 @@
   <p:clrMapOvr>
     <a:masterClrMapping/>
   </p:clrMapOvr>
+  <p:timing>
+    <p:tnLst>
+      <p:par>
+        <p:cTn id="1" dur="indefinite" restart="never" nodeType="tmRoot"/>
+      </p:par>
+    </p:tnLst>
+  </p:timing>
 </p:sld>
 </file>
 
@@ -4509,6 +4551,13 @@
   <p:clrMapOvr>
     <a:masterClrMapping/>
   </p:clrMapOvr>
+  <p:timing>
+    <p:tnLst>
+      <p:par>
+        <p:cTn id="1" dur="indefinite" restart="never" nodeType="tmRoot"/>
+      </p:par>
+    </p:tnLst>
+  </p:timing>
 </p:sld>
 </file>
 
@@ -4657,6 +4706,13 @@
   <p:clrMapOvr>
     <a:masterClrMapping/>
   </p:clrMapOvr>
+  <p:timing>
+    <p:tnLst>
+      <p:par>
+        <p:cTn id="1" dur="indefinite" restart="never" nodeType="tmRoot"/>
+      </p:par>
+    </p:tnLst>
+  </p:timing>
 </p:sld>
 </file>
 
@@ -4739,6 +4795,13 @@
   <p:clrMapOvr>
     <a:masterClrMapping/>
   </p:clrMapOvr>
+  <p:timing>
+    <p:tnLst>
+      <p:par>
+        <p:cTn id="1" dur="indefinite" restart="never" nodeType="tmRoot"/>
+      </p:par>
+    </p:tnLst>
+  </p:timing>
 </p:sld>
 </file>
 
@@ -4887,6 +4950,13 @@
   <p:clrMapOvr>
     <a:masterClrMapping/>
   </p:clrMapOvr>
+  <p:timing>
+    <p:tnLst>
+      <p:par>
+        <p:cTn id="1" dur="indefinite" restart="never" nodeType="tmRoot"/>
+      </p:par>
+    </p:tnLst>
+  </p:timing>
 </p:sld>
 </file>
 
@@ -5997,6 +6067,13 @@
   <p:clrMapOvr>
     <a:masterClrMapping/>
   </p:clrMapOvr>
+  <p:timing>
+    <p:tnLst>
+      <p:par>
+        <p:cTn id="1" dur="indefinite" restart="never" nodeType="tmRoot"/>
+      </p:par>
+    </p:tnLst>
+  </p:timing>
 </p:sld>
 </file>
 
@@ -6145,6 +6222,13 @@
   <p:clrMapOvr>
     <a:masterClrMapping/>
   </p:clrMapOvr>
+  <p:timing>
+    <p:tnLst>
+      <p:par>
+        <p:cTn id="1" dur="indefinite" restart="never" nodeType="tmRoot"/>
+      </p:par>
+    </p:tnLst>
+  </p:timing>
 </p:sld>
 </file>
 
@@ -6268,6 +6352,13 @@
   <p:clrMapOvr>
     <a:masterClrMapping/>
   </p:clrMapOvr>
+  <p:timing>
+    <p:tnLst>
+      <p:par>
+        <p:cTn id="1" dur="indefinite" restart="never" nodeType="tmRoot"/>
+      </p:par>
+    </p:tnLst>
+  </p:timing>
 </p:sld>
 </file>
 
@@ -6326,27 +6417,44 @@
           <a:bodyPr/>
           <a:lstStyle/>
           <a:p>
+            <a:pPr>
+              <a:lnSpc>
+                <a:spcPct val="200000"/>
+              </a:lnSpc>
+            </a:pPr>
             <a:r>
               <a:rPr lang="de-DE" dirty="0" smtClean="0"/>
               <a:t>Motorische Symptome </a:t>
             </a:r>
           </a:p>
           <a:p>
-            <a:pPr lvl="1"/>
+            <a:pPr lvl="1">
+              <a:lnSpc>
+                <a:spcPct val="200000"/>
+              </a:lnSpc>
+            </a:pPr>
             <a:r>
               <a:rPr lang="de-DE" dirty="0" smtClean="0"/>
               <a:t>Ruhetremor</a:t>
             </a:r>
           </a:p>
           <a:p>
-            <a:pPr lvl="1"/>
+            <a:pPr lvl="1">
+              <a:lnSpc>
+                <a:spcPct val="200000"/>
+              </a:lnSpc>
+            </a:pPr>
             <a:r>
               <a:rPr lang="de-DE" dirty="0" smtClean="0"/>
               <a:t>Rigor</a:t>
             </a:r>
           </a:p>
           <a:p>
-            <a:pPr lvl="1"/>
+            <a:pPr lvl="1">
+              <a:lnSpc>
+                <a:spcPct val="200000"/>
+              </a:lnSpc>
+            </a:pPr>
             <a:r>
               <a:rPr lang="de-DE" dirty="0" err="1" smtClean="0"/>
               <a:t>Bradykinesie</a:t>
@@ -6354,16 +6462,18 @@
             <a:endParaRPr lang="de-DE" dirty="0" smtClean="0"/>
           </a:p>
           <a:p>
-            <a:pPr lvl="1"/>
+            <a:pPr lvl="1">
+              <a:lnSpc>
+                <a:spcPct val="200000"/>
+              </a:lnSpc>
+            </a:pPr>
             <a:r>
               <a:rPr lang="de-DE" dirty="0" smtClean="0"/>
               <a:t>Instabilität der Körperhaltung </a:t>
             </a:r>
-          </a:p>
-          <a:p>
             <a:r>
               <a:rPr lang="de-DE" dirty="0" smtClean="0"/>
-              <a:t>UPDRS </a:t>
+              <a:t> </a:t>
             </a:r>
             <a:endParaRPr lang="de-DE" dirty="0"/>
           </a:p>
@@ -6379,6 +6489,13 @@
   <p:clrMapOvr>
     <a:masterClrMapping/>
   </p:clrMapOvr>
+  <p:timing>
+    <p:tnLst>
+      <p:par>
+        <p:cTn id="1" dur="indefinite" restart="never" nodeType="tmRoot"/>
+      </p:par>
+    </p:tnLst>
+  </p:timing>
 </p:sld>
 </file>
 
@@ -6522,6 +6639,13 @@
   <p:clrMapOvr>
     <a:masterClrMapping/>
   </p:clrMapOvr>
+  <p:timing>
+    <p:tnLst>
+      <p:par>
+        <p:cTn id="1" dur="indefinite" restart="never" nodeType="tmRoot"/>
+      </p:par>
+    </p:tnLst>
+  </p:timing>
 </p:sld>
 </file>
 
@@ -6665,6 +6789,13 @@
   <p:clrMapOvr>
     <a:masterClrMapping/>
   </p:clrMapOvr>
+  <p:timing>
+    <p:tnLst>
+      <p:par>
+        <p:cTn id="1" dur="indefinite" restart="never" nodeType="tmRoot"/>
+      </p:par>
+    </p:tnLst>
+  </p:timing>
 </p:sld>
 </file>
 
@@ -6749,6 +6880,13 @@
   <p:clrMapOvr>
     <a:masterClrMapping/>
   </p:clrMapOvr>
+  <p:timing>
+    <p:tnLst>
+      <p:par>
+        <p:cTn id="1" dur="indefinite" restart="never" nodeType="tmRoot"/>
+      </p:par>
+    </p:tnLst>
+  </p:timing>
 </p:sld>
 </file>
 
@@ -6856,6 +6994,13 @@
   <p:clrMapOvr>
     <a:masterClrMapping/>
   </p:clrMapOvr>
+  <p:timing>
+    <p:tnLst>
+      <p:par>
+        <p:cTn id="1" dur="indefinite" restart="never" nodeType="tmRoot"/>
+      </p:par>
+    </p:tnLst>
+  </p:timing>
 </p:sld>
 </file>
 
@@ -6972,6 +7117,13 @@
   <p:clrMapOvr>
     <a:masterClrMapping/>
   </p:clrMapOvr>
+  <p:timing>
+    <p:tnLst>
+      <p:par>
+        <p:cTn id="1" dur="indefinite" restart="never" nodeType="tmRoot"/>
+      </p:par>
+    </p:tnLst>
+  </p:timing>
 </p:sld>
 </file>
 
@@ -7073,6 +7225,13 @@
   <p:clrMapOvr>
     <a:masterClrMapping/>
   </p:clrMapOvr>
+  <p:timing>
+    <p:tnLst>
+      <p:par>
+        <p:cTn id="1" dur="indefinite" restart="never" nodeType="tmRoot"/>
+      </p:par>
+    </p:tnLst>
+  </p:timing>
 </p:sld>
 </file>
 
